--- a/Y3/PB/3.11_Vorlage Präsentation Bundesministerien.pptx
+++ b/Y3/PB/3.11_Vorlage Präsentation Bundesministerien.pptx
@@ -5,7 +5,7 @@
     <p:sldMasterId id="2147483830" r:id="rId4"/>
   </p:sldMasterIdLst>
   <p:notesMasterIdLst>
-    <p:notesMasterId r:id="rId11"/>
+    <p:notesMasterId r:id="rId16"/>
   </p:notesMasterIdLst>
   <p:sldIdLst>
     <p:sldId id="256" r:id="rId5"/>
@@ -14,6 +14,11 @@
     <p:sldId id="368" r:id="rId8"/>
     <p:sldId id="369" r:id="rId9"/>
     <p:sldId id="367" r:id="rId10"/>
+    <p:sldId id="371" r:id="rId11"/>
+    <p:sldId id="372" r:id="rId12"/>
+    <p:sldId id="373" r:id="rId13"/>
+    <p:sldId id="374" r:id="rId14"/>
+    <p:sldId id="375" r:id="rId15"/>
   </p:sldIdLst>
   <p:sldSz cx="9144000" cy="6858000" type="screen4x3"/>
   <p:notesSz cx="6858000" cy="9144000"/>
@@ -202,7 +207,7 @@
           <a:p>
             <a:fld id="{DC57C5F1-E181-44EA-94C9-81368CB5C272}" type="datetimeFigureOut">
               <a:rPr lang="de-DE" smtClean="0"/>
-              <a:t>28.03.2022</a:t>
+              <a:t>04.04.2022</a:t>
             </a:fld>
             <a:endParaRPr lang="de-DE"/>
           </a:p>
@@ -547,6 +552,93 @@
     <p:extLst>
       <p:ext uri="{BB962C8B-B14F-4D97-AF65-F5344CB8AC3E}">
         <p14:creationId xmlns:p14="http://schemas.microsoft.com/office/powerpoint/2010/main" val="2553637179"/>
+      </p:ext>
+    </p:extLst>
+  </p:cSld>
+  <p:clrMapOvr>
+    <a:masterClrMapping/>
+  </p:clrMapOvr>
+</p:notes>
+</file>
+
+<file path=ppt/notesSlides/notesSlide2.xml><?xml version="1.0" encoding="utf-8"?>
+<p:notes xmlns:a="http://schemas.openxmlformats.org/drawingml/2006/main" xmlns:r="http://schemas.openxmlformats.org/officeDocument/2006/relationships" xmlns:p="http://schemas.openxmlformats.org/presentationml/2006/main">
+  <p:cSld>
+    <p:spTree>
+      <p:nvGrpSpPr>
+        <p:cNvPr id="1" name=""/>
+        <p:cNvGrpSpPr/>
+        <p:nvPr/>
+      </p:nvGrpSpPr>
+      <p:grpSpPr>
+        <a:xfrm>
+          <a:off x="0" y="0"/>
+          <a:ext cx="0" cy="0"/>
+          <a:chOff x="0" y="0"/>
+          <a:chExt cx="0" cy="0"/>
+        </a:xfrm>
+      </p:grpSpPr>
+      <p:sp>
+        <p:nvSpPr>
+          <p:cNvPr id="2" name="Folienbildplatzhalter 1"/>
+          <p:cNvSpPr>
+            <a:spLocks noGrp="1" noRot="1" noChangeAspect="1"/>
+          </p:cNvSpPr>
+          <p:nvPr>
+            <p:ph type="sldImg"/>
+          </p:nvPr>
+        </p:nvSpPr>
+        <p:spPr/>
+      </p:sp>
+      <p:sp>
+        <p:nvSpPr>
+          <p:cNvPr id="3" name="Notizenplatzhalter 2"/>
+          <p:cNvSpPr>
+            <a:spLocks noGrp="1"/>
+          </p:cNvSpPr>
+          <p:nvPr>
+            <p:ph type="body" idx="1"/>
+          </p:nvPr>
+        </p:nvSpPr>
+        <p:spPr/>
+        <p:txBody>
+          <a:bodyPr/>
+          <a:lstStyle/>
+          <a:p>
+            <a:r>
+              <a:rPr lang="de-DE" dirty="0"/>
+              <a:t>Start Gruppe 4</a:t>
+            </a:r>
+          </a:p>
+        </p:txBody>
+      </p:sp>
+      <p:sp>
+        <p:nvSpPr>
+          <p:cNvPr id="4" name="Foliennummernplatzhalter 3"/>
+          <p:cNvSpPr>
+            <a:spLocks noGrp="1"/>
+          </p:cNvSpPr>
+          <p:nvPr>
+            <p:ph type="sldNum" sz="quarter" idx="10"/>
+          </p:nvPr>
+        </p:nvSpPr>
+        <p:spPr/>
+        <p:txBody>
+          <a:bodyPr/>
+          <a:lstStyle/>
+          <a:p>
+            <a:fld id="{687BE6AF-67D2-41DF-BCAB-DF79696E1F4F}" type="slidenum">
+              <a:rPr lang="de-DE" smtClean="0"/>
+              <a:t>7</a:t>
+            </a:fld>
+            <a:endParaRPr lang="de-DE"/>
+          </a:p>
+        </p:txBody>
+      </p:sp>
+    </p:spTree>
+    <p:extLst>
+      <p:ext uri="{BB962C8B-B14F-4D97-AF65-F5344CB8AC3E}">
+        <p14:creationId xmlns:p14="http://schemas.microsoft.com/office/powerpoint/2010/main" val="3927420669"/>
       </p:ext>
     </p:extLst>
   </p:cSld>
@@ -1351,7 +1443,7 @@
           <a:p>
             <a:fld id="{29163D65-E02A-4B65-B5A8-EF7D4B279BF8}" type="datetimeFigureOut">
               <a:rPr lang="de-DE" smtClean="0"/>
-              <a:t>28.03.2022</a:t>
+              <a:t>04.04.2022</a:t>
             </a:fld>
             <a:endParaRPr lang="de-DE"/>
           </a:p>
@@ -1602,7 +1694,7 @@
           <a:p>
             <a:fld id="{29163D65-E02A-4B65-B5A8-EF7D4B279BF8}" type="datetimeFigureOut">
               <a:rPr lang="de-DE" smtClean="0"/>
-              <a:t>28.03.2022</a:t>
+              <a:t>04.04.2022</a:t>
             </a:fld>
             <a:endParaRPr lang="de-DE"/>
           </a:p>
@@ -1916,7 +2008,7 @@
           <a:p>
             <a:fld id="{29163D65-E02A-4B65-B5A8-EF7D4B279BF8}" type="datetimeFigureOut">
               <a:rPr lang="de-DE" smtClean="0"/>
-              <a:t>28.03.2022</a:t>
+              <a:t>04.04.2022</a:t>
             </a:fld>
             <a:endParaRPr lang="de-DE"/>
           </a:p>
@@ -2249,7 +2341,7 @@
           <a:p>
             <a:fld id="{29163D65-E02A-4B65-B5A8-EF7D4B279BF8}" type="datetimeFigureOut">
               <a:rPr lang="de-DE" smtClean="0"/>
-              <a:t>28.03.2022</a:t>
+              <a:t>04.04.2022</a:t>
             </a:fld>
             <a:endParaRPr lang="de-DE"/>
           </a:p>
@@ -2563,7 +2655,7 @@
           <a:p>
             <a:fld id="{29163D65-E02A-4B65-B5A8-EF7D4B279BF8}" type="datetimeFigureOut">
               <a:rPr lang="de-DE" smtClean="0"/>
-              <a:t>28.03.2022</a:t>
+              <a:t>04.04.2022</a:t>
             </a:fld>
             <a:endParaRPr lang="de-DE"/>
           </a:p>
@@ -2956,7 +3048,7 @@
           <a:p>
             <a:fld id="{29163D65-E02A-4B65-B5A8-EF7D4B279BF8}" type="datetimeFigureOut">
               <a:rPr lang="de-DE" smtClean="0"/>
-              <a:t>28.03.2022</a:t>
+              <a:t>04.04.2022</a:t>
             </a:fld>
             <a:endParaRPr lang="de-DE"/>
           </a:p>
@@ -3126,7 +3218,7 @@
           <a:p>
             <a:fld id="{29163D65-E02A-4B65-B5A8-EF7D4B279BF8}" type="datetimeFigureOut">
               <a:rPr lang="de-DE" smtClean="0"/>
-              <a:t>28.03.2022</a:t>
+              <a:t>04.04.2022</a:t>
             </a:fld>
             <a:endParaRPr lang="de-DE"/>
           </a:p>
@@ -3306,7 +3398,7 @@
           <a:p>
             <a:fld id="{29163D65-E02A-4B65-B5A8-EF7D4B279BF8}" type="datetimeFigureOut">
               <a:rPr lang="de-DE" smtClean="0"/>
-              <a:t>28.03.2022</a:t>
+              <a:t>04.04.2022</a:t>
             </a:fld>
             <a:endParaRPr lang="de-DE"/>
           </a:p>
@@ -3482,7 +3574,7 @@
           <a:p>
             <a:fld id="{29163D65-E02A-4B65-B5A8-EF7D4B279BF8}" type="datetimeFigureOut">
               <a:rPr lang="de-DE" smtClean="0"/>
-              <a:t>28.03.2022</a:t>
+              <a:t>04.04.2022</a:t>
             </a:fld>
             <a:endParaRPr lang="de-DE"/>
           </a:p>
@@ -3729,7 +3821,7 @@
           <a:p>
             <a:fld id="{29163D65-E02A-4B65-B5A8-EF7D4B279BF8}" type="datetimeFigureOut">
               <a:rPr lang="de-DE" smtClean="0"/>
-              <a:t>28.03.2022</a:t>
+              <a:t>04.04.2022</a:t>
             </a:fld>
             <a:endParaRPr lang="de-DE"/>
           </a:p>
@@ -4026,7 +4118,7 @@
           <a:p>
             <a:fld id="{29163D65-E02A-4B65-B5A8-EF7D4B279BF8}" type="datetimeFigureOut">
               <a:rPr lang="de-DE" smtClean="0"/>
-              <a:t>28.03.2022</a:t>
+              <a:t>04.04.2022</a:t>
             </a:fld>
             <a:endParaRPr lang="de-DE"/>
           </a:p>
@@ -4405,7 +4497,7 @@
           <a:p>
             <a:fld id="{29163D65-E02A-4B65-B5A8-EF7D4B279BF8}" type="datetimeFigureOut">
               <a:rPr lang="de-DE" smtClean="0"/>
-              <a:t>28.03.2022</a:t>
+              <a:t>04.04.2022</a:t>
             </a:fld>
             <a:endParaRPr lang="de-DE"/>
           </a:p>
@@ -4528,7 +4620,7 @@
           <a:p>
             <a:fld id="{29163D65-E02A-4B65-B5A8-EF7D4B279BF8}" type="datetimeFigureOut">
               <a:rPr lang="de-DE" smtClean="0"/>
-              <a:t>28.03.2022</a:t>
+              <a:t>04.04.2022</a:t>
             </a:fld>
             <a:endParaRPr lang="de-DE"/>
           </a:p>
@@ -4623,7 +4715,7 @@
           <a:p>
             <a:fld id="{29163D65-E02A-4B65-B5A8-EF7D4B279BF8}" type="datetimeFigureOut">
               <a:rPr lang="de-DE" smtClean="0"/>
-              <a:t>28.03.2022</a:t>
+              <a:t>04.04.2022</a:t>
             </a:fld>
             <a:endParaRPr lang="de-DE"/>
           </a:p>
@@ -4878,7 +4970,7 @@
           <a:p>
             <a:fld id="{29163D65-E02A-4B65-B5A8-EF7D4B279BF8}" type="datetimeFigureOut">
               <a:rPr lang="de-DE" smtClean="0"/>
-              <a:t>28.03.2022</a:t>
+              <a:t>04.04.2022</a:t>
             </a:fld>
             <a:endParaRPr lang="de-DE"/>
           </a:p>
@@ -5141,7 +5233,7 @@
           <a:p>
             <a:fld id="{29163D65-E02A-4B65-B5A8-EF7D4B279BF8}" type="datetimeFigureOut">
               <a:rPr lang="de-DE" smtClean="0"/>
-              <a:t>28.03.2022</a:t>
+              <a:t>04.04.2022</a:t>
             </a:fld>
             <a:endParaRPr lang="de-DE"/>
           </a:p>
@@ -5956,7 +6048,7 @@
           <a:p>
             <a:fld id="{29163D65-E02A-4B65-B5A8-EF7D4B279BF8}" type="datetimeFigureOut">
               <a:rPr lang="de-DE" smtClean="0"/>
-              <a:t>28.03.2022</a:t>
+              <a:t>04.04.2022</a:t>
             </a:fld>
             <a:endParaRPr lang="de-DE"/>
           </a:p>
@@ -6544,8 +6636,17 @@
             <a:pPr algn="l"/>
             <a:r>
               <a:rPr lang="de-DE" dirty="0"/>
-              <a:t>3aAPC – LG3 2022</a:t>
-            </a:r>
+              <a:t>3aAPC – </a:t>
+            </a:r>
+            <a:r>
+              <a:rPr lang="de-DE" dirty="0" smtClean="0"/>
+              <a:t>Gruppe </a:t>
+            </a:r>
+            <a:r>
+              <a:rPr lang="de-DE" dirty="0"/>
+              <a:t>3 - 2022</a:t>
+            </a:r>
+            <a:endParaRPr lang="de-DE" dirty="0"/>
           </a:p>
         </p:txBody>
       </p:sp>
@@ -6569,6 +6670,368 @@
 </p:sld>
 </file>
 
+<file path=ppt/slides/slide10.xml><?xml version="1.0" encoding="utf-8"?>
+<p:sld xmlns:a="http://schemas.openxmlformats.org/drawingml/2006/main" xmlns:r="http://schemas.openxmlformats.org/officeDocument/2006/relationships" xmlns:p="http://schemas.openxmlformats.org/presentationml/2006/main">
+  <p:cSld>
+    <p:spTree>
+      <p:nvGrpSpPr>
+        <p:cNvPr id="1" name=""/>
+        <p:cNvGrpSpPr/>
+        <p:nvPr/>
+      </p:nvGrpSpPr>
+      <p:grpSpPr>
+        <a:xfrm>
+          <a:off x="0" y="0"/>
+          <a:ext cx="0" cy="0"/>
+          <a:chOff x="0" y="0"/>
+          <a:chExt cx="0" cy="0"/>
+        </a:xfrm>
+      </p:grpSpPr>
+      <p:sp>
+        <p:nvSpPr>
+          <p:cNvPr id="2" name="Titel 1"/>
+          <p:cNvSpPr>
+            <a:spLocks noGrp="1"/>
+          </p:cNvSpPr>
+          <p:nvPr>
+            <p:ph type="title"/>
+          </p:nvPr>
+        </p:nvSpPr>
+        <p:spPr/>
+        <p:txBody>
+          <a:bodyPr/>
+          <a:lstStyle/>
+          <a:p>
+            <a:r>
+              <a:rPr lang="de-AT" dirty="0"/>
+              <a:t>BM für Digitalisierung und Wirtschaftsstandort</a:t>
+            </a:r>
+            <a:endParaRPr lang="de-DE" i="1" dirty="0"/>
+          </a:p>
+        </p:txBody>
+      </p:sp>
+      <p:sp>
+        <p:nvSpPr>
+          <p:cNvPr id="3" name="Inhaltsplatzhalter 2"/>
+          <p:cNvSpPr>
+            <a:spLocks noGrp="1"/>
+          </p:cNvSpPr>
+          <p:nvPr>
+            <p:ph idx="1"/>
+          </p:nvPr>
+        </p:nvSpPr>
+        <p:spPr>
+          <a:xfrm>
+            <a:off x="609598" y="2160590"/>
+            <a:ext cx="7057293" cy="3880773"/>
+          </a:xfrm>
+        </p:spPr>
+        <p:txBody>
+          <a:bodyPr>
+            <a:normAutofit/>
+          </a:bodyPr>
+          <a:lstStyle/>
+          <a:p>
+            <a:r>
+              <a:rPr lang="de-DE" sz="2100" dirty="0" smtClean="0"/>
+              <a:t>Organisation</a:t>
+            </a:r>
+            <a:endParaRPr lang="de-DE" sz="1700" dirty="0"/>
+          </a:p>
+          <a:p>
+            <a:pPr lvl="1"/>
+            <a:r>
+              <a:rPr lang="de-DE" sz="1900" dirty="0" smtClean="0"/>
+              <a:t>Bundesministerin</a:t>
+            </a:r>
+          </a:p>
+          <a:p>
+            <a:pPr lvl="2"/>
+            <a:r>
+              <a:rPr lang="de-DE" sz="1500" dirty="0" smtClean="0"/>
+              <a:t>Generalsekretär</a:t>
+            </a:r>
+          </a:p>
+          <a:p>
+            <a:pPr lvl="3"/>
+            <a:r>
+              <a:rPr lang="de-DE" sz="1500" dirty="0" smtClean="0"/>
+              <a:t>Präsidialsektion Steuerung und Services</a:t>
+            </a:r>
+          </a:p>
+          <a:p>
+            <a:pPr lvl="3"/>
+            <a:r>
+              <a:rPr lang="de-DE" sz="1500" dirty="0" smtClean="0"/>
+              <a:t>Sektion I 	Digitalisierung und E-</a:t>
+            </a:r>
+            <a:r>
+              <a:rPr lang="de-DE" sz="1500" dirty="0" err="1" smtClean="0"/>
+              <a:t>Government</a:t>
+            </a:r>
+            <a:endParaRPr lang="de-DE" sz="1500" dirty="0" smtClean="0"/>
+          </a:p>
+          <a:p>
+            <a:pPr lvl="3"/>
+            <a:r>
+              <a:rPr lang="de-DE" sz="1500" dirty="0" smtClean="0"/>
+              <a:t>Sektion II 	Wirtschaftsstandort, Innovation und       			 		Internationalisierung</a:t>
+            </a:r>
+          </a:p>
+          <a:p>
+            <a:pPr lvl="3"/>
+            <a:r>
+              <a:rPr lang="de-DE" sz="1500" dirty="0" smtClean="0"/>
+              <a:t>Sektion III 	EU und internationale Marktstrategien</a:t>
+            </a:r>
+          </a:p>
+          <a:p>
+            <a:pPr lvl="3"/>
+            <a:r>
+              <a:rPr lang="de-DE" sz="1500" dirty="0"/>
+              <a:t>Sektion </a:t>
+            </a:r>
+            <a:r>
+              <a:rPr lang="de-DE" sz="1500" dirty="0" smtClean="0"/>
+              <a:t>IV 	Nationale Marktstrategien</a:t>
+            </a:r>
+          </a:p>
+          <a:p>
+            <a:pPr lvl="3"/>
+            <a:r>
+              <a:rPr lang="de-DE" sz="1500" dirty="0"/>
+              <a:t>Sektion V</a:t>
+            </a:r>
+            <a:r>
+              <a:rPr lang="de-DE" sz="1500" dirty="0" smtClean="0"/>
+              <a:t> 	Kulturelles Erbe</a:t>
+            </a:r>
+            <a:endParaRPr lang="de-DE" sz="2100" dirty="0"/>
+          </a:p>
+        </p:txBody>
+      </p:sp>
+    </p:spTree>
+    <p:extLst>
+      <p:ext uri="{BB962C8B-B14F-4D97-AF65-F5344CB8AC3E}">
+        <p14:creationId xmlns:p14="http://schemas.microsoft.com/office/powerpoint/2010/main" val="2653963872"/>
+      </p:ext>
+    </p:extLst>
+  </p:cSld>
+  <p:clrMapOvr>
+    <a:masterClrMapping/>
+  </p:clrMapOvr>
+</p:sld>
+</file>
+
+<file path=ppt/slides/slide11.xml><?xml version="1.0" encoding="utf-8"?>
+<p:sld xmlns:a="http://schemas.openxmlformats.org/drawingml/2006/main" xmlns:r="http://schemas.openxmlformats.org/officeDocument/2006/relationships" xmlns:p="http://schemas.openxmlformats.org/presentationml/2006/main">
+  <p:cSld>
+    <p:spTree>
+      <p:nvGrpSpPr>
+        <p:cNvPr id="1" name=""/>
+        <p:cNvGrpSpPr/>
+        <p:nvPr/>
+      </p:nvGrpSpPr>
+      <p:grpSpPr>
+        <a:xfrm>
+          <a:off x="0" y="0"/>
+          <a:ext cx="0" cy="0"/>
+          <a:chOff x="0" y="0"/>
+          <a:chExt cx="0" cy="0"/>
+        </a:xfrm>
+      </p:grpSpPr>
+      <p:sp>
+        <p:nvSpPr>
+          <p:cNvPr id="2" name="Titel 1"/>
+          <p:cNvSpPr>
+            <a:spLocks noGrp="1"/>
+          </p:cNvSpPr>
+          <p:nvPr>
+            <p:ph type="title"/>
+          </p:nvPr>
+        </p:nvSpPr>
+        <p:spPr>
+          <a:xfrm>
+            <a:off x="609599" y="384517"/>
+            <a:ext cx="6347713" cy="1545882"/>
+          </a:xfrm>
+        </p:spPr>
+        <p:txBody>
+          <a:bodyPr>
+            <a:normAutofit fontScale="90000"/>
+          </a:bodyPr>
+          <a:lstStyle/>
+          <a:p>
+            <a:r>
+              <a:rPr lang="de-AT" dirty="0"/>
+              <a:t>BM für Digitalisierung und Wirtschaftsstandort</a:t>
+            </a:r>
+            <a:r>
+              <a:rPr lang="de-DE" sz="3600" dirty="0"/>
+              <a:t/>
+            </a:r>
+            <a:br>
+              <a:rPr lang="de-DE" sz="3600" dirty="0"/>
+            </a:br>
+            <a:r>
+              <a:rPr lang="de-DE" sz="3600" dirty="0" smtClean="0"/>
+              <a:t>Ministerin</a:t>
+            </a:r>
+            <a:endParaRPr lang="de-DE" dirty="0"/>
+          </a:p>
+        </p:txBody>
+      </p:sp>
+      <p:sp>
+        <p:nvSpPr>
+          <p:cNvPr id="3" name="Inhaltsplatzhalter 2"/>
+          <p:cNvSpPr>
+            <a:spLocks noGrp="1"/>
+          </p:cNvSpPr>
+          <p:nvPr>
+            <p:ph idx="1"/>
+          </p:nvPr>
+        </p:nvSpPr>
+        <p:spPr/>
+        <p:txBody>
+          <a:bodyPr>
+            <a:normAutofit fontScale="85000" lnSpcReduction="10000"/>
+          </a:bodyPr>
+          <a:lstStyle/>
+          <a:p>
+            <a:r>
+              <a:rPr lang="de-DE" sz="2100" dirty="0" smtClean="0"/>
+              <a:t>Dr. Margarete </a:t>
+            </a:r>
+            <a:r>
+              <a:rPr lang="de-DE" sz="2100" dirty="0" err="1" smtClean="0"/>
+              <a:t>Schramböck</a:t>
+            </a:r>
+            <a:endParaRPr lang="de-DE" sz="2100" dirty="0" smtClean="0"/>
+          </a:p>
+          <a:p>
+            <a:r>
+              <a:rPr lang="de-AT" dirty="0"/>
+              <a:t>Bundesministerin für Digitalisierung und </a:t>
+            </a:r>
+            <a:r>
+              <a:rPr lang="de-AT" dirty="0" smtClean="0"/>
+              <a:t>Wirtschaftsstandort</a:t>
+            </a:r>
+          </a:p>
+          <a:p>
+            <a:r>
+              <a:rPr lang="de-DE" sz="2100" dirty="0" smtClean="0"/>
+              <a:t>Leben</a:t>
+            </a:r>
+          </a:p>
+          <a:p>
+            <a:pPr lvl="1"/>
+            <a:r>
+              <a:rPr lang="de-DE" sz="1900" dirty="0" smtClean="0"/>
+              <a:t>1970 in Tirol geboren</a:t>
+            </a:r>
+          </a:p>
+          <a:p>
+            <a:pPr lvl="1"/>
+            <a:r>
+              <a:rPr lang="de-DE" sz="1900" dirty="0" smtClean="0"/>
+              <a:t>BWL Studium an Wirtschaftsuniversität Wien</a:t>
+            </a:r>
+          </a:p>
+          <a:p>
+            <a:pPr lvl="1"/>
+            <a:r>
+              <a:rPr lang="de-DE" sz="1900" dirty="0" smtClean="0"/>
+              <a:t>1997 Abschluss als Doktorin der Sozial- und Wirtschaftswissenschaften</a:t>
+            </a:r>
+            <a:endParaRPr lang="de-DE" sz="1900" dirty="0"/>
+          </a:p>
+          <a:p>
+            <a:r>
+              <a:rPr lang="de-DE" sz="2100" dirty="0" smtClean="0"/>
+              <a:t>ÖVP</a:t>
+            </a:r>
+            <a:endParaRPr lang="de-DE" sz="2100" dirty="0"/>
+          </a:p>
+          <a:p>
+            <a:r>
+              <a:rPr lang="de-DE" sz="2100" dirty="0"/>
+              <a:t>Interessantes zur </a:t>
+            </a:r>
+            <a:r>
+              <a:rPr lang="de-DE" sz="2100" dirty="0" smtClean="0"/>
+              <a:t>Person</a:t>
+            </a:r>
+          </a:p>
+          <a:p>
+            <a:pPr lvl="1"/>
+            <a:r>
+              <a:rPr lang="de-DE" sz="1900" dirty="0" smtClean="0"/>
+              <a:t>Tirolerin des Jahres 2017</a:t>
+            </a:r>
+          </a:p>
+          <a:p>
+            <a:pPr lvl="1"/>
+            <a:r>
+              <a:rPr lang="de-DE" sz="1900" dirty="0" smtClean="0"/>
+              <a:t>WU-Managerin des Jahres 2017</a:t>
+            </a:r>
+            <a:endParaRPr lang="de-DE" sz="1700" dirty="0"/>
+          </a:p>
+        </p:txBody>
+      </p:sp>
+      <p:pic>
+        <p:nvPicPr>
+          <p:cNvPr id="1026" name="Picture 2" descr="BMDW / Hartberger"/>
+          <p:cNvPicPr>
+            <a:picLocks noChangeAspect="1" noChangeArrowheads="1"/>
+          </p:cNvPicPr>
+          <p:nvPr/>
+        </p:nvPicPr>
+        <p:blipFill rotWithShape="1">
+          <a:blip r:embed="rId2" cstate="print">
+            <a:extLst>
+              <a:ext uri="{28A0092B-C50C-407E-A947-70E740481C1C}">
+                <a14:useLocalDpi xmlns:a14="http://schemas.microsoft.com/office/drawing/2010/main" val="0"/>
+              </a:ext>
+            </a:extLst>
+          </a:blip>
+          <a:srcRect l="30053" r="33377"/>
+          <a:stretch/>
+        </p:blipFill>
+        <p:spPr bwMode="auto">
+          <a:xfrm>
+            <a:off x="6181343" y="413013"/>
+            <a:ext cx="2514601" cy="3495154"/>
+          </a:xfrm>
+          <a:prstGeom prst="rect">
+            <a:avLst/>
+          </a:prstGeom>
+          <a:noFill/>
+          <a:extLst>
+            <a:ext uri="{909E8E84-426E-40DD-AFC4-6F175D3DCCD1}">
+              <a14:hiddenFill xmlns:a14="http://schemas.microsoft.com/office/drawing/2010/main">
+                <a:solidFill>
+                  <a:srgbClr val="FFFFFF"/>
+                </a:solidFill>
+              </a14:hiddenFill>
+            </a:ext>
+          </a:extLst>
+        </p:spPr>
+      </p:pic>
+    </p:spTree>
+    <p:extLst>
+      <p:ext uri="{BB962C8B-B14F-4D97-AF65-F5344CB8AC3E}">
+        <p14:creationId xmlns:p14="http://schemas.microsoft.com/office/powerpoint/2010/main" val="1301049525"/>
+      </p:ext>
+    </p:extLst>
+  </p:cSld>
+  <p:clrMapOvr>
+    <a:masterClrMapping/>
+  </p:clrMapOvr>
+</p:sld>
+</file>
+
 <file path=ppt/slides/slide2.xml><?xml version="1.0" encoding="utf-8"?>
 <p:sld xmlns:a="http://schemas.openxmlformats.org/drawingml/2006/main" xmlns:r="http://schemas.openxmlformats.org/officeDocument/2006/relationships" xmlns:p="http://schemas.openxmlformats.org/presentationml/2006/main">
   <p:cSld>
@@ -6609,12 +7072,12 @@
               <a:rPr lang="de-DE" sz="4400" dirty="0"/>
             </a:br>
             <a:r>
-              <a:rPr lang="de-DE" sz="4400" dirty="0" err="1" smtClean="0"/>
-              <a:t>fü</a:t>
+              <a:rPr lang="de-DE" sz="4400" dirty="0" smtClean="0"/>
+              <a:t>für</a:t>
             </a:r>
             <a:r>
               <a:rPr lang="de-AT" sz="4400" dirty="0" smtClean="0"/>
-              <a:t>r </a:t>
+              <a:t> </a:t>
             </a:r>
             <a:r>
               <a:rPr lang="de-AT" sz="4400" dirty="0"/>
@@ -6640,12 +7103,8 @@
           <a:lstStyle/>
           <a:p>
             <a:r>
-              <a:rPr lang="de-DE" dirty="0"/>
-              <a:t>Gruppe </a:t>
-            </a:r>
-            <a:r>
               <a:rPr lang="de-DE" dirty="0" smtClean="0"/>
-              <a:t>3 </a:t>
+              <a:t>Berndl </a:t>
             </a:r>
             <a:r>
               <a:rPr lang="de-DE" dirty="0"/>
@@ -6653,15 +7112,7 @@
             </a:r>
             <a:r>
               <a:rPr lang="de-DE" dirty="0" smtClean="0"/>
-              <a:t>Berndl </a:t>
-            </a:r>
-            <a:r>
-              <a:rPr lang="de-DE" dirty="0"/>
-              <a:t>– </a:t>
-            </a:r>
-            <a:r>
-              <a:rPr lang="de-DE" dirty="0" smtClean="0"/>
-              <a:t>? </a:t>
+              <a:t>Kieweg - Natotea </a:t>
             </a:r>
             <a:r>
               <a:rPr lang="de-DE" dirty="0"/>
@@ -6914,12 +7365,8 @@
               <a:t>Wien, </a:t>
             </a:r>
             <a:r>
-              <a:rPr lang="de-DE" sz="1900" dirty="0" err="1"/>
-              <a:t>Minoritenplatz</a:t>
-            </a:r>
-            <a:r>
               <a:rPr lang="de-DE" sz="1900" dirty="0"/>
-              <a:t> </a:t>
+              <a:t>Minoritenplatz </a:t>
             </a:r>
             <a:r>
               <a:rPr lang="de-DE" sz="1900" dirty="0" smtClean="0"/>
@@ -7292,32 +7739,79 @@
         <p:spPr/>
         <p:txBody>
           <a:bodyPr>
-            <a:normAutofit/>
+            <a:normAutofit fontScale="70000" lnSpcReduction="20000"/>
           </a:bodyPr>
           <a:lstStyle/>
           <a:p>
             <a:r>
-              <a:rPr lang="de-DE" sz="2100" dirty="0"/>
-              <a:t>Name, Familienstand, …</a:t>
-            </a:r>
-          </a:p>
-          <a:p>
-            <a:r>
-              <a:rPr lang="de-DE" sz="2100" dirty="0"/>
-              <a:t>Amt</a:t>
-            </a:r>
-          </a:p>
-          <a:p>
-            <a:r>
-              <a:rPr lang="de-DE" sz="2100" dirty="0"/>
-              <a:t>Persönlicher und beruflicher Werdegang</a:t>
-            </a:r>
-          </a:p>
-          <a:p>
-            <a:r>
-              <a:rPr lang="de-DE" sz="2100" dirty="0"/>
-              <a:t>Partei</a:t>
-            </a:r>
+              <a:rPr lang="de-DE" sz="2100" dirty="0" smtClean="0"/>
+              <a:t>Schallenberg, 52, </a:t>
+            </a:r>
+          </a:p>
+          <a:p>
+            <a:r>
+              <a:rPr lang="de-DE" sz="2100" dirty="0" smtClean="0"/>
+              <a:t>Außenminister</a:t>
+            </a:r>
+            <a:endParaRPr lang="de-DE" sz="2100" dirty="0"/>
+          </a:p>
+          <a:p>
+            <a:r>
+              <a:rPr lang="de-DE" sz="2100" dirty="0" smtClean="0"/>
+              <a:t>Leben</a:t>
+            </a:r>
+          </a:p>
+          <a:p>
+            <a:pPr lvl="1"/>
+            <a:r>
+              <a:rPr lang="de-DE" sz="1900" dirty="0"/>
+              <a:t>1969 in </a:t>
+            </a:r>
+            <a:r>
+              <a:rPr lang="de-DE" sz="1900" dirty="0" smtClean="0"/>
+              <a:t>Bern geboren</a:t>
+            </a:r>
+          </a:p>
+          <a:p>
+            <a:pPr lvl="1"/>
+            <a:r>
+              <a:rPr lang="de-AT" sz="1900" dirty="0" smtClean="0"/>
+              <a:t>Rechtswissenschaften </a:t>
+            </a:r>
+            <a:r>
+              <a:rPr lang="de-AT" sz="1700" dirty="0" smtClean="0"/>
+              <a:t>Universität Wien &amp; </a:t>
+            </a:r>
+            <a:r>
+              <a:rPr lang="de-AT" sz="1700" dirty="0" err="1" smtClean="0"/>
+              <a:t>Université</a:t>
+            </a:r>
+            <a:r>
+              <a:rPr lang="de-AT" sz="1700" dirty="0" smtClean="0"/>
+              <a:t> Paris</a:t>
+            </a:r>
+          </a:p>
+          <a:p>
+            <a:pPr lvl="1"/>
+            <a:r>
+              <a:rPr lang="de-DE" sz="1900" dirty="0" smtClean="0"/>
+              <a:t>Studium des Europäischen Rechts</a:t>
+            </a:r>
+          </a:p>
+          <a:p>
+            <a:pPr lvl="1"/>
+            <a:r>
+              <a:rPr lang="de-DE" sz="1900" dirty="0" smtClean="0"/>
+              <a:t>seit 1997 im diplomatischen Dienst</a:t>
+            </a:r>
+            <a:endParaRPr lang="de-DE" sz="1900" dirty="0" smtClean="0"/>
+          </a:p>
+          <a:p>
+            <a:r>
+              <a:rPr lang="de-DE" sz="2100" dirty="0" smtClean="0"/>
+              <a:t>ÖVP</a:t>
+            </a:r>
+            <a:endParaRPr lang="de-DE" sz="2100" dirty="0"/>
           </a:p>
           <a:p>
             <a:r>
@@ -7337,31 +7831,35 @@
             <a:pPr lvl="1"/>
             <a:r>
               <a:rPr lang="de-DE" sz="1900" dirty="0"/>
-              <a:t>war kurzfristig Bundeskanzler (11.10. – 6.12.)</a:t>
+              <a:t>war kurzfristig Bundeskanzler (11.10. – 6.12</a:t>
+            </a:r>
+            <a:r>
+              <a:rPr lang="de-DE" sz="1900" dirty="0" smtClean="0"/>
+              <a:t>.)</a:t>
             </a:r>
           </a:p>
           <a:p>
             <a:pPr lvl="1"/>
             <a:r>
-              <a:rPr lang="de-DE" sz="1900" dirty="0" smtClean="0"/>
-              <a:t>warmer </a:t>
-            </a:r>
-            <a:r>
-              <a:rPr lang="de-DE" sz="1900" dirty="0"/>
-              <a:t>und fester Stuhl</a:t>
-            </a:r>
-          </a:p>
-          <a:p>
-            <a:pPr lvl="1"/>
-            <a:r>
-              <a:rPr lang="de-DE" sz="1900" dirty="0"/>
-              <a:t>IKEA Gaming </a:t>
-            </a:r>
-            <a:r>
-              <a:rPr lang="de-DE" sz="1900" dirty="0" smtClean="0"/>
-              <a:t>Schreibtisch</a:t>
-            </a:r>
-            <a:endParaRPr lang="de-DE" sz="1900" dirty="0"/>
+              <a:rPr lang="de-DE" sz="2000" dirty="0" smtClean="0"/>
+              <a:t>wuchs </a:t>
+            </a:r>
+            <a:r>
+              <a:rPr lang="de-DE" sz="2000" dirty="0"/>
+              <a:t>in Indien, Spanien und Paris in</a:t>
+            </a:r>
+            <a:br>
+              <a:rPr lang="de-DE" sz="2000" dirty="0"/>
+            </a:br>
+            <a:r>
+              <a:rPr lang="de-DE" sz="2000" dirty="0"/>
+              <a:t>Botschaft </a:t>
+            </a:r>
+            <a:r>
+              <a:rPr lang="de-DE" sz="2000" dirty="0" smtClean="0"/>
+              <a:t>auf</a:t>
+            </a:r>
+            <a:endParaRPr lang="de-DE" sz="2000" dirty="0"/>
           </a:p>
         </p:txBody>
       </p:sp>
@@ -7388,7 +7886,7 @@
         </p:blipFill>
         <p:spPr bwMode="auto">
           <a:xfrm>
-            <a:off x="6434288" y="2160590"/>
+            <a:off x="6413588" y="1593516"/>
             <a:ext cx="2236636" cy="3340100"/>
           </a:xfrm>
           <a:prstGeom prst="rect">
@@ -7423,6 +7921,367 @@
       </p:par>
     </p:tnLst>
   </p:timing>
+</p:sld>
+</file>
+
+<file path=ppt/slides/slide7.xml><?xml version="1.0" encoding="utf-8"?>
+<p:sld xmlns:a="http://schemas.openxmlformats.org/drawingml/2006/main" xmlns:r="http://schemas.openxmlformats.org/officeDocument/2006/relationships" xmlns:p="http://schemas.openxmlformats.org/presentationml/2006/main">
+  <p:cSld>
+    <p:spTree>
+      <p:nvGrpSpPr>
+        <p:cNvPr id="1" name=""/>
+        <p:cNvGrpSpPr/>
+        <p:nvPr/>
+      </p:nvGrpSpPr>
+      <p:grpSpPr>
+        <a:xfrm>
+          <a:off x="0" y="0"/>
+          <a:ext cx="0" cy="0"/>
+          <a:chOff x="0" y="0"/>
+          <a:chExt cx="0" cy="0"/>
+        </a:xfrm>
+      </p:grpSpPr>
+      <p:sp>
+        <p:nvSpPr>
+          <p:cNvPr id="2" name="Titel 1"/>
+          <p:cNvSpPr>
+            <a:spLocks noGrp="1"/>
+          </p:cNvSpPr>
+          <p:nvPr>
+            <p:ph type="ctrTitle"/>
+          </p:nvPr>
+        </p:nvSpPr>
+        <p:spPr>
+          <a:xfrm>
+            <a:off x="933647" y="2404532"/>
+            <a:ext cx="6423756" cy="1646302"/>
+          </a:xfrm>
+        </p:spPr>
+        <p:txBody>
+          <a:bodyPr/>
+          <a:lstStyle/>
+          <a:p>
+            <a:r>
+              <a:rPr lang="de-AT" dirty="0"/>
+              <a:t>BM für Digitalisierung und Wirtschaftsstandort</a:t>
+            </a:r>
+            <a:endParaRPr lang="de-DE" sz="4000" i="1" dirty="0"/>
+          </a:p>
+        </p:txBody>
+      </p:sp>
+      <p:sp>
+        <p:nvSpPr>
+          <p:cNvPr id="3" name="Untertitel 2"/>
+          <p:cNvSpPr>
+            <a:spLocks noGrp="1"/>
+          </p:cNvSpPr>
+          <p:nvPr>
+            <p:ph type="subTitle" idx="1"/>
+          </p:nvPr>
+        </p:nvSpPr>
+        <p:spPr/>
+        <p:txBody>
+          <a:bodyPr/>
+          <a:lstStyle/>
+          <a:p>
+            <a:r>
+              <a:rPr lang="de-DE" dirty="0"/>
+              <a:t>Berndl – Kieweg - Natotea – Hofmann</a:t>
+            </a:r>
+            <a:endParaRPr lang="de-DE" dirty="0"/>
+          </a:p>
+        </p:txBody>
+      </p:sp>
+    </p:spTree>
+    <p:extLst>
+      <p:ext uri="{BB962C8B-B14F-4D97-AF65-F5344CB8AC3E}">
+        <p14:creationId xmlns:p14="http://schemas.microsoft.com/office/powerpoint/2010/main" val="3790374081"/>
+      </p:ext>
+    </p:extLst>
+  </p:cSld>
+  <p:clrMapOvr>
+    <a:masterClrMapping/>
+  </p:clrMapOvr>
+</p:sld>
+</file>
+
+<file path=ppt/slides/slide8.xml><?xml version="1.0" encoding="utf-8"?>
+<p:sld xmlns:a="http://schemas.openxmlformats.org/drawingml/2006/main" xmlns:r="http://schemas.openxmlformats.org/officeDocument/2006/relationships" xmlns:p="http://schemas.openxmlformats.org/presentationml/2006/main">
+  <p:cSld>
+    <p:spTree>
+      <p:nvGrpSpPr>
+        <p:cNvPr id="1" name=""/>
+        <p:cNvGrpSpPr/>
+        <p:nvPr/>
+      </p:nvGrpSpPr>
+      <p:grpSpPr>
+        <a:xfrm>
+          <a:off x="0" y="0"/>
+          <a:ext cx="0" cy="0"/>
+          <a:chOff x="0" y="0"/>
+          <a:chExt cx="0" cy="0"/>
+        </a:xfrm>
+      </p:grpSpPr>
+      <p:sp>
+        <p:nvSpPr>
+          <p:cNvPr id="2" name="Titel 1"/>
+          <p:cNvSpPr>
+            <a:spLocks noGrp="1"/>
+          </p:cNvSpPr>
+          <p:nvPr>
+            <p:ph type="title"/>
+          </p:nvPr>
+        </p:nvSpPr>
+        <p:spPr>
+          <a:xfrm>
+            <a:off x="300109" y="609600"/>
+            <a:ext cx="6347713" cy="1320800"/>
+          </a:xfrm>
+        </p:spPr>
+        <p:txBody>
+          <a:bodyPr/>
+          <a:lstStyle/>
+          <a:p>
+            <a:r>
+              <a:rPr lang="de-AT" dirty="0"/>
+              <a:t>BM für Digitalisierung und Wirtschaftsstandort</a:t>
+            </a:r>
+            <a:endParaRPr lang="de-DE" i="1" dirty="0"/>
+          </a:p>
+        </p:txBody>
+      </p:sp>
+      <p:sp>
+        <p:nvSpPr>
+          <p:cNvPr id="3" name="Inhaltsplatzhalter 2"/>
+          <p:cNvSpPr>
+            <a:spLocks noGrp="1"/>
+          </p:cNvSpPr>
+          <p:nvPr>
+            <p:ph idx="1"/>
+          </p:nvPr>
+        </p:nvSpPr>
+        <p:spPr>
+          <a:xfrm>
+            <a:off x="300109" y="2160590"/>
+            <a:ext cx="7310513" cy="4535632"/>
+          </a:xfrm>
+        </p:spPr>
+        <p:txBody>
+          <a:bodyPr>
+            <a:normAutofit lnSpcReduction="10000"/>
+          </a:bodyPr>
+          <a:lstStyle/>
+          <a:p>
+            <a:r>
+              <a:rPr lang="de-DE" sz="2100" dirty="0" smtClean="0"/>
+              <a:t>Aufgaben</a:t>
+            </a:r>
+          </a:p>
+          <a:p>
+            <a:pPr lvl="1"/>
+            <a:r>
+              <a:rPr lang="de-DE" sz="1900" dirty="0" smtClean="0"/>
+              <a:t>Entwicklung des Wirtschaftsstandort voran zu treiben</a:t>
+            </a:r>
+          </a:p>
+          <a:p>
+            <a:pPr lvl="1"/>
+            <a:r>
+              <a:rPr lang="de-DE" sz="1900" dirty="0" smtClean="0"/>
+              <a:t>Chancen der Digitalisierung für Wirtschaft und Gesellschaft aktiv nutzen</a:t>
+            </a:r>
+          </a:p>
+          <a:p>
+            <a:pPr lvl="1"/>
+            <a:r>
+              <a:rPr lang="de-DE" sz="1900" dirty="0" smtClean="0"/>
+              <a:t>Unternehmertun forcieren</a:t>
+            </a:r>
+            <a:endParaRPr lang="de-DE" sz="1900" dirty="0"/>
+          </a:p>
+          <a:p>
+            <a:r>
+              <a:rPr lang="de-DE" sz="2100" dirty="0" smtClean="0"/>
+              <a:t>Zuständigkeiten</a:t>
+            </a:r>
+          </a:p>
+          <a:p>
+            <a:pPr lvl="1"/>
+            <a:r>
+              <a:rPr lang="de-DE" sz="1900" dirty="0" smtClean="0"/>
+              <a:t>Digitalisierung und E-</a:t>
+            </a:r>
+            <a:r>
+              <a:rPr lang="de-DE" sz="1900" dirty="0" err="1" smtClean="0"/>
+              <a:t>Government</a:t>
+            </a:r>
+            <a:endParaRPr lang="de-DE" sz="1900" dirty="0" smtClean="0"/>
+          </a:p>
+          <a:p>
+            <a:pPr lvl="1"/>
+            <a:r>
+              <a:rPr lang="de-DE" sz="1900" dirty="0" smtClean="0"/>
+              <a:t>Wirtschaftsstandort, Innovation und Internationalisierung</a:t>
+            </a:r>
+          </a:p>
+          <a:p>
+            <a:pPr lvl="1"/>
+            <a:r>
+              <a:rPr lang="de-DE" sz="2100" dirty="0" smtClean="0"/>
+              <a:t>EU und internationale Marktstrategien</a:t>
+            </a:r>
+          </a:p>
+          <a:p>
+            <a:pPr lvl="1"/>
+            <a:r>
+              <a:rPr lang="de-DE" sz="2100" dirty="0" smtClean="0"/>
+              <a:t>Nationale Marktstrategien</a:t>
+            </a:r>
+          </a:p>
+          <a:p>
+            <a:pPr lvl="1"/>
+            <a:r>
+              <a:rPr lang="de-DE" sz="2100" dirty="0" smtClean="0"/>
+              <a:t>Kulturelles Erbe</a:t>
+            </a:r>
+          </a:p>
+          <a:p>
+            <a:pPr lvl="1"/>
+            <a:endParaRPr lang="de-DE" sz="2100" dirty="0"/>
+          </a:p>
+        </p:txBody>
+      </p:sp>
+    </p:spTree>
+    <p:extLst>
+      <p:ext uri="{BB962C8B-B14F-4D97-AF65-F5344CB8AC3E}">
+        <p14:creationId xmlns:p14="http://schemas.microsoft.com/office/powerpoint/2010/main" val="64904937"/>
+      </p:ext>
+    </p:extLst>
+  </p:cSld>
+  <p:clrMapOvr>
+    <a:masterClrMapping/>
+  </p:clrMapOvr>
+</p:sld>
+</file>
+
+<file path=ppt/slides/slide9.xml><?xml version="1.0" encoding="utf-8"?>
+<p:sld xmlns:a="http://schemas.openxmlformats.org/drawingml/2006/main" xmlns:r="http://schemas.openxmlformats.org/officeDocument/2006/relationships" xmlns:p="http://schemas.openxmlformats.org/presentationml/2006/main">
+  <p:cSld>
+    <p:spTree>
+      <p:nvGrpSpPr>
+        <p:cNvPr id="1" name=""/>
+        <p:cNvGrpSpPr/>
+        <p:nvPr/>
+      </p:nvGrpSpPr>
+      <p:grpSpPr>
+        <a:xfrm>
+          <a:off x="0" y="0"/>
+          <a:ext cx="0" cy="0"/>
+          <a:chOff x="0" y="0"/>
+          <a:chExt cx="0" cy="0"/>
+        </a:xfrm>
+      </p:grpSpPr>
+      <p:sp>
+        <p:nvSpPr>
+          <p:cNvPr id="2" name="Titel 1"/>
+          <p:cNvSpPr>
+            <a:spLocks noGrp="1"/>
+          </p:cNvSpPr>
+          <p:nvPr>
+            <p:ph type="title"/>
+          </p:nvPr>
+        </p:nvSpPr>
+        <p:spPr/>
+        <p:txBody>
+          <a:bodyPr/>
+          <a:lstStyle/>
+          <a:p>
+            <a:r>
+              <a:rPr lang="de-AT" dirty="0"/>
+              <a:t>BM für Digitalisierung und Wirtschaftsstandort</a:t>
+            </a:r>
+            <a:endParaRPr lang="de-DE" i="1" dirty="0"/>
+          </a:p>
+        </p:txBody>
+      </p:sp>
+      <p:sp>
+        <p:nvSpPr>
+          <p:cNvPr id="3" name="Inhaltsplatzhalter 2"/>
+          <p:cNvSpPr>
+            <a:spLocks noGrp="1"/>
+          </p:cNvSpPr>
+          <p:nvPr>
+            <p:ph idx="1"/>
+          </p:nvPr>
+        </p:nvSpPr>
+        <p:spPr>
+          <a:xfrm>
+            <a:off x="609598" y="2160590"/>
+            <a:ext cx="7057293" cy="3880773"/>
+          </a:xfrm>
+        </p:spPr>
+        <p:txBody>
+          <a:bodyPr>
+            <a:normAutofit/>
+          </a:bodyPr>
+          <a:lstStyle/>
+          <a:p>
+            <a:r>
+              <a:rPr lang="de-DE" sz="2100" dirty="0" smtClean="0"/>
+              <a:t>Sitz</a:t>
+            </a:r>
+          </a:p>
+          <a:p>
+            <a:pPr lvl="1"/>
+            <a:r>
+              <a:rPr lang="de-DE" sz="1700" dirty="0"/>
+              <a:t>Wien 1, Stubenring </a:t>
+            </a:r>
+            <a:r>
+              <a:rPr lang="de-DE" sz="1700" dirty="0" smtClean="0"/>
+              <a:t>1</a:t>
+            </a:r>
+          </a:p>
+          <a:p>
+            <a:pPr lvl="1"/>
+            <a:endParaRPr lang="de-DE" sz="1700" dirty="0"/>
+          </a:p>
+          <a:p>
+            <a:r>
+              <a:rPr lang="de-DE" sz="2100" dirty="0" smtClean="0"/>
+              <a:t>Sonstiges interessantes …</a:t>
+            </a:r>
+          </a:p>
+          <a:p>
+            <a:pPr lvl="1"/>
+            <a:r>
+              <a:rPr lang="de-DE" sz="1900" dirty="0" smtClean="0"/>
+              <a:t>Gründung: 1848</a:t>
+            </a:r>
+          </a:p>
+          <a:p>
+            <a:pPr lvl="1"/>
+            <a:r>
+              <a:rPr lang="de-DE" sz="1900" dirty="0" smtClean="0"/>
+              <a:t>Haushaltsvolumen 1,24 Mrd. EUR</a:t>
+            </a:r>
+          </a:p>
+          <a:p>
+            <a:pPr lvl="1"/>
+            <a:endParaRPr lang="de-DE" sz="1900" dirty="0"/>
+          </a:p>
+        </p:txBody>
+      </p:sp>
+    </p:spTree>
+    <p:extLst>
+      <p:ext uri="{BB962C8B-B14F-4D97-AF65-F5344CB8AC3E}">
+        <p14:creationId xmlns:p14="http://schemas.microsoft.com/office/powerpoint/2010/main" val="3355667037"/>
+      </p:ext>
+    </p:extLst>
+  </p:cSld>
+  <p:clrMapOvr>
+    <a:masterClrMapping/>
+  </p:clrMapOvr>
 </p:sld>
 </file>
 
@@ -7945,6 +8804,12 @@
 </file>
 
 <file path=customXml/item1.xml><?xml version="1.0" encoding="utf-8"?>
+<p:properties xmlns:p="http://schemas.microsoft.com/office/2006/metadata/properties" xmlns:xsi="http://www.w3.org/2001/XMLSchema-instance" xmlns:pc="http://schemas.microsoft.com/office/infopath/2007/PartnerControls">
+  <documentManagement/>
+</p:properties>
+</file>
+
+<file path=customXml/item2.xml><?xml version="1.0" encoding="utf-8"?>
 <ct:contentTypeSchema xmlns:ct="http://schemas.microsoft.com/office/2006/metadata/contentType" xmlns:ma="http://schemas.microsoft.com/office/2006/metadata/properties/metaAttributes" ct:_="" ma:_="" ma:contentTypeName="Dokument" ma:contentTypeID="0x010100A3EB90D28978BB4BB836F5C7972CA229" ma:contentTypeVersion="2" ma:contentTypeDescription="Ein neues Dokument erstellen." ma:contentTypeScope="" ma:versionID="a49f1a418e2bed2d18dd32d273f0c013">
   <xsd:schema xmlns:xsd="http://www.w3.org/2001/XMLSchema" xmlns:xs="http://www.w3.org/2001/XMLSchema" xmlns:p="http://schemas.microsoft.com/office/2006/metadata/properties" xmlns:ns2="04576c97-eeb5-4556-a191-247401faf2b4" targetNamespace="http://schemas.microsoft.com/office/2006/metadata/properties" ma:root="true" ma:fieldsID="c0d35978076f3e569c5b4046f65c900c" ns2:_="">
     <xsd:import namespace="04576c97-eeb5-4556-a191-247401faf2b4"/>
@@ -8092,12 +8957,6 @@
 </ct:contentTypeSchema>
 </file>
 
-<file path=customXml/item2.xml><?xml version="1.0" encoding="utf-8"?>
-<p:properties xmlns:p="http://schemas.microsoft.com/office/2006/metadata/properties" xmlns:xsi="http://www.w3.org/2001/XMLSchema-instance" xmlns:pc="http://schemas.microsoft.com/office/infopath/2007/PartnerControls">
-  <documentManagement/>
-</p:properties>
-</file>
-
 <file path=customXml/item3.xml><?xml version="1.0" encoding="utf-8"?>
 <?mso-contentType ?>
 <FormTemplates xmlns="http://schemas.microsoft.com/sharepoint/v3/contenttype/forms">
@@ -8108,6 +8967,15 @@
 </file>
 
 <file path=customXml/itemProps1.xml><?xml version="1.0" encoding="utf-8"?>
+<ds:datastoreItem xmlns:ds="http://schemas.openxmlformats.org/officeDocument/2006/customXml" ds:itemID="{EF9DFCB3-5E7D-4C23-B50A-13D25372289D}">
+  <ds:schemaRefs>
+    <ds:schemaRef ds:uri="http://schemas.microsoft.com/office/2006/metadata/properties"/>
+    <ds:schemaRef ds:uri="http://schemas.microsoft.com/office/infopath/2007/PartnerControls"/>
+  </ds:schemaRefs>
+</ds:datastoreItem>
+</file>
+
+<file path=customXml/itemProps2.xml><?xml version="1.0" encoding="utf-8"?>
 <ds:datastoreItem xmlns:ds="http://schemas.openxmlformats.org/officeDocument/2006/customXml" ds:itemID="{C751EFC2-C3F9-4CE7-8031-ACE70A6B0B29}">
   <ds:schemaRefs>
     <ds:schemaRef ds:uri="http://schemas.microsoft.com/office/2006/metadata/contentType"/>
@@ -8125,15 +8993,6 @@
 </ds:datastoreItem>
 </file>
 
-<file path=customXml/itemProps2.xml><?xml version="1.0" encoding="utf-8"?>
-<ds:datastoreItem xmlns:ds="http://schemas.openxmlformats.org/officeDocument/2006/customXml" ds:itemID="{EF9DFCB3-5E7D-4C23-B50A-13D25372289D}">
-  <ds:schemaRefs>
-    <ds:schemaRef ds:uri="http://schemas.microsoft.com/office/2006/metadata/properties"/>
-    <ds:schemaRef ds:uri="http://schemas.microsoft.com/office/infopath/2007/PartnerControls"/>
-  </ds:schemaRefs>
-</ds:datastoreItem>
-</file>
-
 <file path=customXml/itemProps3.xml><?xml version="1.0" encoding="utf-8"?>
 <ds:datastoreItem xmlns:ds="http://schemas.openxmlformats.org/officeDocument/2006/customXml" ds:itemID="{CF893B7D-10ED-47F4-9319-100DDF84E904}">
   <ds:schemaRefs>
